--- a/pptx/第3章 多元数据直观表示.pptx
+++ b/pptx/第3章 多元数据直观表示.pptx
@@ -13222,7 +13222,7 @@
         </p:nvSpPr>
         <p:spPr>
           <a:xfrm>
-            <a:off x="2936875" y="4220845"/>
+            <a:off x="2966085" y="4438015"/>
             <a:ext cx="6315710" cy="903605"/>
           </a:xfrm>
         </p:spPr>
@@ -13364,7 +13364,7 @@
         <p:spPr>
           <a:xfrm>
             <a:off x="2711450" y="2637155"/>
-            <a:ext cx="6824345" cy="808990"/>
+            <a:ext cx="6824345" cy="1445260"/>
           </a:xfrm>
           <a:prstGeom prst="rect">
             <a:avLst/>
@@ -13538,7 +13538,54 @@
                 <a:ea typeface="微软雅黑" panose="020B0503020204020204" pitchFamily="2" charset="-122"/>
                 <a:sym typeface="微软雅黑" panose="020B0503020204020204" pitchFamily="2" charset="-122"/>
               </a:rPr>
-              <a:t>建模 </a:t>
+              <a:t>建模</a:t>
+            </a:r>
+            <a:endParaRPr lang="zh-CN" altLang="en-US" sz="4400" b="1" dirty="0">
+              <a:solidFill>
+                <a:srgbClr val="1115C3"/>
+              </a:solidFill>
+              <a:latin typeface="微软雅黑" panose="020B0503020204020204" pitchFamily="2" charset="-122"/>
+              <a:ea typeface="微软雅黑" panose="020B0503020204020204" pitchFamily="2" charset="-122"/>
+              <a:sym typeface="微软雅黑" panose="020B0503020204020204" pitchFamily="2" charset="-122"/>
+            </a:endParaRPr>
+          </a:p>
+          <a:p>
+            <a:pPr marL="0" lvl="0" indent="0" algn="ctr" defTabSz="914400">
+              <a:spcBef>
+                <a:spcPct val="0"/>
+              </a:spcBef>
+              <a:buFont typeface="Arial" panose="020B0604020202020204" pitchFamily="34" charset="0"/>
+              <a:buNone/>
+            </a:pPr>
+            <a:r>
+              <a:rPr lang="zh-CN" altLang="en-US" sz="2800" b="1" dirty="0">
+                <a:ln/>
+                <a:solidFill>
+                  <a:schemeClr val="accent1"/>
+                </a:solidFill>
+                <a:effectLst>
+                  <a:outerShdw blurRad="38100" dist="25400" dir="5400000" algn="ctr" rotWithShape="0">
+                    <a:srgbClr val="6E747A">
+                      <a:alpha val="43000"/>
+                    </a:srgbClr>
+                  </a:outerShdw>
+                </a:effectLst>
+                <a:latin typeface="微软雅黑" panose="020B0503020204020204" pitchFamily="2" charset="-122"/>
+                <a:ea typeface="微软雅黑" panose="020B0503020204020204" pitchFamily="2" charset="-122"/>
+                <a:sym typeface="微软雅黑" panose="020B0503020204020204" pitchFamily="2" charset="-122"/>
+              </a:rPr>
+              <a:t>（第五版）</a:t>
+            </a:r>
+            <a:r>
+              <a:rPr lang="zh-CN" altLang="en-US" sz="4400" b="1" dirty="0">
+                <a:solidFill>
+                  <a:srgbClr val="1115C3"/>
+                </a:solidFill>
+                <a:latin typeface="微软雅黑" panose="020B0503020204020204" pitchFamily="2" charset="-122"/>
+                <a:ea typeface="微软雅黑" panose="020B0503020204020204" pitchFamily="2" charset="-122"/>
+                <a:sym typeface="微软雅黑" panose="020B0503020204020204" pitchFamily="2" charset="-122"/>
+              </a:rPr>
+              <a:t> </a:t>
             </a:r>
             <a:endParaRPr lang="zh-CN" altLang="en-US" sz="4400" b="1" dirty="0">
               <a:solidFill>
@@ -23513,7 +23560,7 @@
         <p:spPr>
           <a:xfrm>
             <a:off x="72390" y="1352550"/>
-            <a:ext cx="6309995" cy="1280160"/>
+            <a:ext cx="6309995" cy="1291590"/>
           </a:xfrm>
           <a:prstGeom prst="rect">
             <a:avLst/>
@@ -23673,7 +23720,43 @@
                 <a:ea typeface="微软雅黑" panose="020B0503020204020204" pitchFamily="2" charset="-122"/>
                 <a:sym typeface="微软雅黑" panose="020B0503020204020204" pitchFamily="2" charset="-122"/>
               </a:rPr>
-              <a:t>#在mvstats4.xls:d3.1中选取A1:I32，拷贝</a:t>
+              <a:t>#在mvstats</a:t>
+            </a:r>
+            <a:r>
+              <a:rPr lang="en-US" sz="2400" b="1" dirty="0">
+                <a:solidFill>
+                  <a:schemeClr val="tx1"/>
+                </a:solidFill>
+                <a:effectLst>
+                  <a:outerShdw blurRad="38100" dist="19050" dir="2700000" algn="tl" rotWithShape="0">
+                    <a:schemeClr val="dk1">
+                      <a:alpha val="40000"/>
+                    </a:schemeClr>
+                  </a:outerShdw>
+                </a:effectLst>
+                <a:latin typeface="微软雅黑" panose="020B0503020204020204" pitchFamily="2" charset="-122"/>
+                <a:ea typeface="微软雅黑" panose="020B0503020204020204" pitchFamily="2" charset="-122"/>
+                <a:sym typeface="微软雅黑" panose="020B0503020204020204" pitchFamily="2" charset="-122"/>
+              </a:rPr>
+              <a:t>5</a:t>
+            </a:r>
+            <a:r>
+              <a:rPr sz="2400" b="1" dirty="0">
+                <a:solidFill>
+                  <a:schemeClr val="tx1"/>
+                </a:solidFill>
+                <a:effectLst>
+                  <a:outerShdw blurRad="38100" dist="19050" dir="2700000" algn="tl" rotWithShape="0">
+                    <a:schemeClr val="dk1">
+                      <a:alpha val="40000"/>
+                    </a:schemeClr>
+                  </a:outerShdw>
+                </a:effectLst>
+                <a:latin typeface="微软雅黑" panose="020B0503020204020204" pitchFamily="2" charset="-122"/>
+                <a:ea typeface="微软雅黑" panose="020B0503020204020204" pitchFamily="2" charset="-122"/>
+                <a:sym typeface="微软雅黑" panose="020B0503020204020204" pitchFamily="2" charset="-122"/>
+              </a:rPr>
+              <a:t>.xls:d3.1中选取A1:I32，拷贝</a:t>
             </a:r>
             <a:endParaRPr sz="2400" b="1" dirty="0">
               <a:solidFill>
